--- a/QuickStarter Pitch.pptx
+++ b/QuickStarter Pitch.pptx
@@ -8305,13 +8305,33 @@
         </p:spPr>
         <p:txBody>
           <a:bodyPr anchorCtr="0" anchor="t" bIns="91425" lIns="91425" spcFirstLastPara="1" rIns="91425" wrap="square" tIns="91425">
-            <a:normAutofit/>
+            <a:normAutofit lnSpcReduction="10000"/>
           </a:bodyPr>
           <a:lstStyle/>
           <a:p>
             <a:pPr indent="0" lvl="0" marL="457200" rtl="0" algn="l">
               <a:spcBef>
                 <a:spcPts val="0"/>
+              </a:spcBef>
+              <a:spcAft>
+                <a:spcPts val="0"/>
+              </a:spcAft>
+              <a:buNone/>
+            </a:pPr>
+            <a:r>
+              <a:t/>
+            </a:r>
+            <a:endParaRPr>
+              <a:latin typeface="Share Tech Mono"/>
+              <a:ea typeface="Share Tech Mono"/>
+              <a:cs typeface="Share Tech Mono"/>
+              <a:sym typeface="Share Tech Mono"/>
+            </a:endParaRPr>
+          </a:p>
+          <a:p>
+            <a:pPr indent="0" lvl="0" marL="457200" rtl="0" algn="l">
+              <a:spcBef>
+                <a:spcPts val="1200"/>
               </a:spcBef>
               <a:spcAft>
                 <a:spcPts val="0"/>
@@ -12189,7 +12209,256 @@
                                           </p:stCondLst>
                                         </p:cTn>
                                         <p:tgtEl>
-                                          <p:spTgt spid="84"/>
+                                          <p:spTgt spid="84">
+                                            <p:txEl>
+                                              <p:pRg end="0" st="0"/>
+                                            </p:txEl>
+                                          </p:spTgt>
+                                        </p:tgtEl>
+                                        <p:attrNameLst>
+                                          <p:attrName>style.visibility</p:attrName>
+                                        </p:attrNameLst>
+                                      </p:cBhvr>
+                                      <p:to>
+                                        <p:strVal val="visible"/>
+                                      </p:to>
+                                    </p:set>
+                                  </p:childTnLst>
+                                </p:cTn>
+                              </p:par>
+                            </p:childTnLst>
+                          </p:cTn>
+                        </p:par>
+                      </p:childTnLst>
+                    </p:cTn>
+                  </p:par>
+                  <p:par>
+                    <p:cTn fill="hold">
+                      <p:stCondLst>
+                        <p:cond delay="indefinite"/>
+                      </p:stCondLst>
+                      <p:childTnLst>
+                        <p:par>
+                          <p:cTn fill="hold">
+                            <p:stCondLst>
+                              <p:cond delay="0"/>
+                            </p:stCondLst>
+                            <p:childTnLst>
+                              <p:par>
+                                <p:cTn fill="hold" nodeType="clickEffect" presetClass="entr" presetID="1" presetSubtype="0">
+                                  <p:stCondLst>
+                                    <p:cond delay="0"/>
+                                  </p:stCondLst>
+                                  <p:childTnLst>
+                                    <p:set>
+                                      <p:cBhvr>
+                                        <p:cTn dur="1" fill="hold">
+                                          <p:stCondLst>
+                                            <p:cond delay="0"/>
+                                          </p:stCondLst>
+                                        </p:cTn>
+                                        <p:tgtEl>
+                                          <p:spTgt spid="84">
+                                            <p:txEl>
+                                              <p:pRg end="1" st="1"/>
+                                            </p:txEl>
+                                          </p:spTgt>
+                                        </p:tgtEl>
+                                        <p:attrNameLst>
+                                          <p:attrName>style.visibility</p:attrName>
+                                        </p:attrNameLst>
+                                      </p:cBhvr>
+                                      <p:to>
+                                        <p:strVal val="visible"/>
+                                      </p:to>
+                                    </p:set>
+                                  </p:childTnLst>
+                                </p:cTn>
+                              </p:par>
+                            </p:childTnLst>
+                          </p:cTn>
+                        </p:par>
+                      </p:childTnLst>
+                    </p:cTn>
+                  </p:par>
+                  <p:par>
+                    <p:cTn fill="hold">
+                      <p:stCondLst>
+                        <p:cond delay="indefinite"/>
+                      </p:stCondLst>
+                      <p:childTnLst>
+                        <p:par>
+                          <p:cTn fill="hold">
+                            <p:stCondLst>
+                              <p:cond delay="0"/>
+                            </p:stCondLst>
+                            <p:childTnLst>
+                              <p:par>
+                                <p:cTn fill="hold" nodeType="clickEffect" presetClass="entr" presetID="1" presetSubtype="0">
+                                  <p:stCondLst>
+                                    <p:cond delay="0"/>
+                                  </p:stCondLst>
+                                  <p:childTnLst>
+                                    <p:set>
+                                      <p:cBhvr>
+                                        <p:cTn dur="1" fill="hold">
+                                          <p:stCondLst>
+                                            <p:cond delay="0"/>
+                                          </p:stCondLst>
+                                        </p:cTn>
+                                        <p:tgtEl>
+                                          <p:spTgt spid="84">
+                                            <p:txEl>
+                                              <p:pRg end="2" st="2"/>
+                                            </p:txEl>
+                                          </p:spTgt>
+                                        </p:tgtEl>
+                                        <p:attrNameLst>
+                                          <p:attrName>style.visibility</p:attrName>
+                                        </p:attrNameLst>
+                                      </p:cBhvr>
+                                      <p:to>
+                                        <p:strVal val="visible"/>
+                                      </p:to>
+                                    </p:set>
+                                  </p:childTnLst>
+                                </p:cTn>
+                              </p:par>
+                            </p:childTnLst>
+                          </p:cTn>
+                        </p:par>
+                      </p:childTnLst>
+                    </p:cTn>
+                  </p:par>
+                  <p:par>
+                    <p:cTn fill="hold">
+                      <p:stCondLst>
+                        <p:cond delay="indefinite"/>
+                      </p:stCondLst>
+                      <p:childTnLst>
+                        <p:par>
+                          <p:cTn fill="hold">
+                            <p:stCondLst>
+                              <p:cond delay="0"/>
+                            </p:stCondLst>
+                            <p:childTnLst>
+                              <p:par>
+                                <p:cTn fill="hold" nodeType="clickEffect" presetClass="entr" presetID="1" presetSubtype="0">
+                                  <p:stCondLst>
+                                    <p:cond delay="0"/>
+                                  </p:stCondLst>
+                                  <p:childTnLst>
+                                    <p:set>
+                                      <p:cBhvr>
+                                        <p:cTn dur="1" fill="hold">
+                                          <p:stCondLst>
+                                            <p:cond delay="0"/>
+                                          </p:stCondLst>
+                                        </p:cTn>
+                                        <p:tgtEl>
+                                          <p:spTgt spid="84">
+                                            <p:txEl>
+                                              <p:pRg end="3" st="3"/>
+                                            </p:txEl>
+                                          </p:spTgt>
+                                        </p:tgtEl>
+                                        <p:attrNameLst>
+                                          <p:attrName>style.visibility</p:attrName>
+                                        </p:attrNameLst>
+                                      </p:cBhvr>
+                                      <p:to>
+                                        <p:strVal val="visible"/>
+                                      </p:to>
+                                    </p:set>
+                                  </p:childTnLst>
+                                </p:cTn>
+                              </p:par>
+                            </p:childTnLst>
+                          </p:cTn>
+                        </p:par>
+                      </p:childTnLst>
+                    </p:cTn>
+                  </p:par>
+                  <p:par>
+                    <p:cTn fill="hold">
+                      <p:stCondLst>
+                        <p:cond delay="indefinite"/>
+                      </p:stCondLst>
+                      <p:childTnLst>
+                        <p:par>
+                          <p:cTn fill="hold">
+                            <p:stCondLst>
+                              <p:cond delay="0"/>
+                            </p:stCondLst>
+                            <p:childTnLst>
+                              <p:par>
+                                <p:cTn fill="hold" nodeType="clickEffect" presetClass="entr" presetID="1" presetSubtype="0">
+                                  <p:stCondLst>
+                                    <p:cond delay="0"/>
+                                  </p:stCondLst>
+                                  <p:childTnLst>
+                                    <p:set>
+                                      <p:cBhvr>
+                                        <p:cTn dur="1" fill="hold">
+                                          <p:stCondLst>
+                                            <p:cond delay="0"/>
+                                          </p:stCondLst>
+                                        </p:cTn>
+                                        <p:tgtEl>
+                                          <p:spTgt spid="84">
+                                            <p:txEl>
+                                              <p:pRg end="4" st="4"/>
+                                            </p:txEl>
+                                          </p:spTgt>
+                                        </p:tgtEl>
+                                        <p:attrNameLst>
+                                          <p:attrName>style.visibility</p:attrName>
+                                        </p:attrNameLst>
+                                      </p:cBhvr>
+                                      <p:to>
+                                        <p:strVal val="visible"/>
+                                      </p:to>
+                                    </p:set>
+                                  </p:childTnLst>
+                                </p:cTn>
+                              </p:par>
+                            </p:childTnLst>
+                          </p:cTn>
+                        </p:par>
+                      </p:childTnLst>
+                    </p:cTn>
+                  </p:par>
+                  <p:par>
+                    <p:cTn fill="hold">
+                      <p:stCondLst>
+                        <p:cond delay="indefinite"/>
+                      </p:stCondLst>
+                      <p:childTnLst>
+                        <p:par>
+                          <p:cTn fill="hold">
+                            <p:stCondLst>
+                              <p:cond delay="0"/>
+                            </p:stCondLst>
+                            <p:childTnLst>
+                              <p:par>
+                                <p:cTn fill="hold" nodeType="clickEffect" presetClass="entr" presetID="1" presetSubtype="0">
+                                  <p:stCondLst>
+                                    <p:cond delay="0"/>
+                                  </p:stCondLst>
+                                  <p:childTnLst>
+                                    <p:set>
+                                      <p:cBhvr>
+                                        <p:cTn dur="1" fill="hold">
+                                          <p:stCondLst>
+                                            <p:cond delay="0"/>
+                                          </p:stCondLst>
+                                        </p:cTn>
+                                        <p:tgtEl>
+                                          <p:spTgt spid="84">
+                                            <p:txEl>
+                                              <p:pRg end="5" st="5"/>
+                                            </p:txEl>
+                                          </p:spTgt>
                                         </p:tgtEl>
                                         <p:attrNameLst>
                                           <p:attrName>style.visibility</p:attrName>
@@ -12690,13 +12959,33 @@
               <a:buNone/>
             </a:pPr>
             <a:r>
+              <a:t/>
+            </a:r>
+            <a:endParaRPr>
+              <a:latin typeface="Share Tech Mono"/>
+              <a:ea typeface="Share Tech Mono"/>
+              <a:cs typeface="Share Tech Mono"/>
+              <a:sym typeface="Share Tech Mono"/>
+            </a:endParaRPr>
+          </a:p>
+          <a:p>
+            <a:pPr indent="0" lvl="0" marL="0" rtl="0" algn="l">
+              <a:spcBef>
+                <a:spcPts val="1200"/>
+              </a:spcBef>
+              <a:spcAft>
+                <a:spcPts val="0"/>
+              </a:spcAft>
+              <a:buNone/>
+            </a:pPr>
+            <a:r>
               <a:rPr lang="fr">
                 <a:latin typeface="Share Tech Mono"/>
                 <a:ea typeface="Share Tech Mono"/>
                 <a:cs typeface="Share Tech Mono"/>
                 <a:sym typeface="Share Tech Mono"/>
               </a:rPr>
-              <a:t>Les fonds d’un projet sont débloqués quand le goal de la campagne a été atteint.</a:t>
+              <a:t>Financement de type “tout ou rien”</a:t>
             </a:r>
             <a:endParaRPr>
               <a:latin typeface="Share Tech Mono"/>

--- a/QuickStarter Pitch.pptx
+++ b/QuickStarter Pitch.pptx
@@ -47,6 +47,13 @@
     <p:embeddedFont>
       <p:font typeface="Alfa Slab One"/>
       <p:regular r:id="rId29"/>
+    </p:embeddedFont>
+    <p:embeddedFont>
+      <p:font typeface="Open Sans"/>
+      <p:regular r:id="rId30"/>
+      <p:bold r:id="rId31"/>
+      <p:italic r:id="rId32"/>
+      <p:boldItalic r:id="rId33"/>
     </p:embeddedFont>
   </p:embeddedFontLst>
   <p:defaultTextStyle>
@@ -1558,7 +1565,7 @@
       </p:grpSpPr>
       <p:sp>
         <p:nvSpPr>
-          <p:cNvPr id="74" name="Google Shape;74;g11c2b4c8f78_3_121:notes"/>
+          <p:cNvPr id="74" name="Google Shape;74;g129f7f8b391_4_0:notes"/>
           <p:cNvSpPr/>
           <p:nvPr>
             <p:ph idx="2" type="sldImg"/>
@@ -1593,7 +1600,7 @@
       </p:sp>
       <p:sp>
         <p:nvSpPr>
-          <p:cNvPr id="75" name="Google Shape;75;g11c2b4c8f78_3_121:notes"/>
+          <p:cNvPr id="75" name="Google Shape;75;g129f7f8b391_4_0:notes"/>
           <p:cNvSpPr txBox="1"/>
           <p:nvPr>
             <p:ph idx="1" type="body"/>
@@ -1615,217 +1622,18 @@
           <a:lstStyle/>
           <a:p>
             <a:pPr indent="0" lvl="0" marL="0" rtl="0" algn="l">
-              <a:lnSpc>
-                <a:spcPct val="115000"/>
-              </a:lnSpc>
-              <a:spcBef>
-                <a:spcPts val="0"/>
-              </a:spcBef>
-              <a:spcAft>
-                <a:spcPts val="0"/>
-              </a:spcAft>
-              <a:buClr>
-                <a:schemeClr val="dk1"/>
-              </a:buClr>
-              <a:buSzPts val="1100"/>
-              <a:buFont typeface="Arial"/>
+              <a:spcBef>
+                <a:spcPts val="0"/>
+              </a:spcBef>
+              <a:spcAft>
+                <a:spcPts val="0"/>
+              </a:spcAft>
               <a:buNone/>
             </a:pPr>
             <a:r>
               <a:t/>
             </a:r>
-            <a:endParaRPr sz="1800">
-              <a:solidFill>
-                <a:schemeClr val="dk1"/>
-              </a:solidFill>
-              <a:latin typeface="Share Tech Mono"/>
-              <a:ea typeface="Share Tech Mono"/>
-              <a:cs typeface="Share Tech Mono"/>
-              <a:sym typeface="Share Tech Mono"/>
-            </a:endParaRPr>
-          </a:p>
-          <a:p>
-            <a:pPr indent="-342900" lvl="0" marL="457200" rtl="0" algn="l">
-              <a:lnSpc>
-                <a:spcPct val="115000"/>
-              </a:lnSpc>
-              <a:spcBef>
-                <a:spcPts val="1200"/>
-              </a:spcBef>
-              <a:spcAft>
-                <a:spcPts val="0"/>
-              </a:spcAft>
-              <a:buClr>
-                <a:schemeClr val="dk1"/>
-              </a:buClr>
-              <a:buSzPts val="1800"/>
-              <a:buFont typeface="Share Tech Mono"/>
-              <a:buChar char="●"/>
-            </a:pPr>
-            <a:r>
-              <a:rPr lang="fr" sz="1800">
-                <a:solidFill>
-                  <a:schemeClr val="dk1"/>
-                </a:solidFill>
-                <a:latin typeface="Share Tech Mono"/>
-                <a:ea typeface="Share Tech Mono"/>
-                <a:cs typeface="Share Tech Mono"/>
-                <a:sym typeface="Share Tech Mono"/>
-              </a:rPr>
-              <a:t>$17.2 milliards: Nombre de dollars générés annuellement par crowdfunding en Amérique du Nord</a:t>
-            </a:r>
-            <a:endParaRPr sz="1800">
-              <a:solidFill>
-                <a:schemeClr val="dk1"/>
-              </a:solidFill>
-              <a:latin typeface="Share Tech Mono"/>
-              <a:ea typeface="Share Tech Mono"/>
-              <a:cs typeface="Share Tech Mono"/>
-              <a:sym typeface="Share Tech Mono"/>
-            </a:endParaRPr>
-          </a:p>
-          <a:p>
-            <a:pPr indent="-342900" lvl="0" marL="457200" rtl="0" algn="l">
-              <a:lnSpc>
-                <a:spcPct val="115000"/>
-              </a:lnSpc>
-              <a:spcBef>
-                <a:spcPts val="0"/>
-              </a:spcBef>
-              <a:spcAft>
-                <a:spcPts val="0"/>
-              </a:spcAft>
-              <a:buClr>
-                <a:schemeClr val="dk1"/>
-              </a:buClr>
-              <a:buSzPts val="1800"/>
-              <a:buFont typeface="Share Tech Mono"/>
-              <a:buChar char="●"/>
-            </a:pPr>
-            <a:r>
-              <a:rPr lang="fr" sz="1800">
-                <a:solidFill>
-                  <a:schemeClr val="dk1"/>
-                </a:solidFill>
-                <a:latin typeface="Share Tech Mono"/>
-                <a:ea typeface="Share Tech Mono"/>
-                <a:cs typeface="Share Tech Mono"/>
-                <a:sym typeface="Share Tech Mono"/>
-              </a:rPr>
-              <a:t>+33.7%: Croissance des fonds levés en 2020 par rapport à 2019</a:t>
-            </a:r>
-            <a:endParaRPr sz="1800">
-              <a:solidFill>
-                <a:schemeClr val="dk1"/>
-              </a:solidFill>
-              <a:latin typeface="Share Tech Mono"/>
-              <a:ea typeface="Share Tech Mono"/>
-              <a:cs typeface="Share Tech Mono"/>
-              <a:sym typeface="Share Tech Mono"/>
-            </a:endParaRPr>
-          </a:p>
-          <a:p>
-            <a:pPr indent="-342900" lvl="0" marL="457200" rtl="0" algn="l">
-              <a:lnSpc>
-                <a:spcPct val="115000"/>
-              </a:lnSpc>
-              <a:spcBef>
-                <a:spcPts val="0"/>
-              </a:spcBef>
-              <a:spcAft>
-                <a:spcPts val="0"/>
-              </a:spcAft>
-              <a:buClr>
-                <a:schemeClr val="dk1"/>
-              </a:buClr>
-              <a:buSzPts val="1800"/>
-              <a:buFont typeface="Share Tech Mono"/>
-              <a:buChar char="●"/>
-            </a:pPr>
-            <a:r>
-              <a:rPr lang="fr" sz="1800">
-                <a:solidFill>
-                  <a:schemeClr val="dk1"/>
-                </a:solidFill>
-                <a:latin typeface="Share Tech Mono"/>
-                <a:ea typeface="Share Tech Mono"/>
-                <a:cs typeface="Share Tech Mono"/>
-                <a:sym typeface="Share Tech Mono"/>
-              </a:rPr>
-              <a:t>6,455,080: Nombre de campagnes de crowdfunding à travers le monde en 2020</a:t>
-            </a:r>
-            <a:endParaRPr sz="1800">
-              <a:solidFill>
-                <a:schemeClr val="dk1"/>
-              </a:solidFill>
-              <a:latin typeface="Share Tech Mono"/>
-              <a:ea typeface="Share Tech Mono"/>
-              <a:cs typeface="Share Tech Mono"/>
-              <a:sym typeface="Share Tech Mono"/>
-            </a:endParaRPr>
-          </a:p>
-          <a:p>
-            <a:pPr indent="-342900" lvl="0" marL="457200" rtl="0" algn="l">
-              <a:lnSpc>
-                <a:spcPct val="115000"/>
-              </a:lnSpc>
-              <a:spcBef>
-                <a:spcPts val="0"/>
-              </a:spcBef>
-              <a:spcAft>
-                <a:spcPts val="0"/>
-              </a:spcAft>
-              <a:buClr>
-                <a:schemeClr val="dk1"/>
-              </a:buClr>
-              <a:buSzPts val="1800"/>
-              <a:buFont typeface="Share Tech Mono"/>
-              <a:buChar char="●"/>
-            </a:pPr>
-            <a:r>
-              <a:rPr lang="fr" sz="1800">
-                <a:solidFill>
-                  <a:schemeClr val="dk1"/>
-                </a:solidFill>
-                <a:latin typeface="Share Tech Mono"/>
-                <a:ea typeface="Share Tech Mono"/>
-                <a:cs typeface="Share Tech Mono"/>
-                <a:sym typeface="Share Tech Mono"/>
-              </a:rPr>
-              <a:t>$300 milliards: Estimation du poids du marché du crowdfunding d’ici 2030</a:t>
-            </a:r>
-            <a:endParaRPr sz="1800">
-              <a:solidFill>
-                <a:schemeClr val="dk1"/>
-              </a:solidFill>
-              <a:latin typeface="Share Tech Mono"/>
-              <a:ea typeface="Share Tech Mono"/>
-              <a:cs typeface="Share Tech Mono"/>
-              <a:sym typeface="Share Tech Mono"/>
-            </a:endParaRPr>
-          </a:p>
-          <a:p>
-            <a:pPr indent="0" lvl="0" marL="0" rtl="0" algn="l">
-              <a:spcBef>
-                <a:spcPts val="1200"/>
-              </a:spcBef>
-              <a:spcAft>
-                <a:spcPts val="0"/>
-              </a:spcAft>
-              <a:buNone/>
-            </a:pPr>
-            <a:r>
-              <a:t/>
-            </a:r>
-            <a:endParaRPr sz="1800">
-              <a:solidFill>
-                <a:schemeClr val="dk1"/>
-              </a:solidFill>
-              <a:latin typeface="Share Tech Mono"/>
-              <a:ea typeface="Share Tech Mono"/>
-              <a:cs typeface="Share Tech Mono"/>
-              <a:sym typeface="Share Tech Mono"/>
-            </a:endParaRPr>
+            <a:endParaRPr/>
           </a:p>
         </p:txBody>
       </p:sp>
@@ -2021,7 +1829,8 @@
               <a:buNone/>
             </a:pPr>
             <a:r>
-              <a:t/>
+              <a:rPr lang="fr"/>
+              <a:t>Apres vous avoir expliqué les problèmes que l'on resolvait il est temps de vous présenter ... </a:t>
             </a:r>
             <a:endParaRPr/>
           </a:p>
@@ -2111,18 +1920,234 @@
           <a:lstStyle/>
           <a:p>
             <a:pPr indent="0" lvl="0" marL="0" rtl="0" algn="l">
-              <a:spcBef>
-                <a:spcPts val="0"/>
-              </a:spcBef>
-              <a:spcAft>
-                <a:spcPts val="0"/>
-              </a:spcAft>
+              <a:lnSpc>
+                <a:spcPct val="120000"/>
+              </a:lnSpc>
+              <a:spcBef>
+                <a:spcPts val="600"/>
+              </a:spcBef>
+              <a:spcAft>
+                <a:spcPts val="0"/>
+              </a:spcAft>
+              <a:buClr>
+                <a:schemeClr val="dk1"/>
+              </a:buClr>
+              <a:buSzPts val="1100"/>
+              <a:buFont typeface="Arial"/>
+              <a:buNone/>
+            </a:pPr>
+            <a:r>
+              <a:rPr lang="fr">
+                <a:solidFill>
+                  <a:srgbClr val="695D46"/>
+                </a:solidFill>
+                <a:latin typeface="Open Sans"/>
+                <a:ea typeface="Open Sans"/>
+                <a:cs typeface="Open Sans"/>
+                <a:sym typeface="Open Sans"/>
+              </a:rPr>
+              <a:t>Quickstarter est un projet qui vise à marier le processus de levée de fonds “crowd-funding” et le pouvoir de la blockchain.</a:t>
+            </a:r>
+            <a:endParaRPr>
+              <a:solidFill>
+                <a:srgbClr val="695D46"/>
+              </a:solidFill>
+              <a:latin typeface="Open Sans"/>
+              <a:ea typeface="Open Sans"/>
+              <a:cs typeface="Open Sans"/>
+              <a:sym typeface="Open Sans"/>
+            </a:endParaRPr>
+          </a:p>
+          <a:p>
+            <a:pPr indent="0" lvl="0" marL="0" rtl="0" algn="l">
+              <a:lnSpc>
+                <a:spcPct val="120000"/>
+              </a:lnSpc>
+              <a:spcBef>
+                <a:spcPts val="600"/>
+              </a:spcBef>
+              <a:spcAft>
+                <a:spcPts val="0"/>
+              </a:spcAft>
+              <a:buClr>
+                <a:schemeClr val="dk1"/>
+              </a:buClr>
+              <a:buSzPts val="1100"/>
+              <a:buFont typeface="Arial"/>
+              <a:buNone/>
+            </a:pPr>
+            <a:r>
+              <a:rPr lang="fr">
+                <a:solidFill>
+                  <a:srgbClr val="695D46"/>
+                </a:solidFill>
+                <a:latin typeface="Open Sans"/>
+                <a:ea typeface="Open Sans"/>
+                <a:cs typeface="Open Sans"/>
+                <a:sym typeface="Open Sans"/>
+              </a:rPr>
+              <a:t>Quickstarter a pour ambition : “l’acces au capital; par tous, pour tous, partout”.</a:t>
+            </a:r>
+            <a:endParaRPr>
+              <a:solidFill>
+                <a:srgbClr val="695D46"/>
+              </a:solidFill>
+              <a:latin typeface="Open Sans"/>
+              <a:ea typeface="Open Sans"/>
+              <a:cs typeface="Open Sans"/>
+              <a:sym typeface="Open Sans"/>
+            </a:endParaRPr>
+          </a:p>
+          <a:p>
+            <a:pPr indent="0" lvl="0" marL="0" rtl="0" algn="l">
+              <a:lnSpc>
+                <a:spcPct val="120000"/>
+              </a:lnSpc>
+              <a:spcBef>
+                <a:spcPts val="600"/>
+              </a:spcBef>
+              <a:spcAft>
+                <a:spcPts val="0"/>
+              </a:spcAft>
+              <a:buClr>
+                <a:schemeClr val="dk1"/>
+              </a:buClr>
+              <a:buSzPts val="1100"/>
+              <a:buFont typeface="Arial"/>
+              <a:buNone/>
+            </a:pPr>
+            <a:r>
+              <a:rPr lang="fr">
+                <a:solidFill>
+                  <a:srgbClr val="695D46"/>
+                </a:solidFill>
+                <a:latin typeface="Open Sans"/>
+                <a:ea typeface="Open Sans"/>
+                <a:cs typeface="Open Sans"/>
+                <a:sym typeface="Open Sans"/>
+              </a:rPr>
+              <a:t>Ce projet se définit comme une plateforme digitale centrale sur laquelle des projets de toutes nature pourront  être créés sans avoir de connaissances en programmation ou en finance par le biais de l’interface du site. Même interface qui permet à chaque projet de s’auto gouverner, au niveau directionnel autant que financier.</a:t>
+            </a:r>
+            <a:endParaRPr>
+              <a:solidFill>
+                <a:srgbClr val="695D46"/>
+              </a:solidFill>
+              <a:latin typeface="Open Sans"/>
+              <a:ea typeface="Open Sans"/>
+              <a:cs typeface="Open Sans"/>
+              <a:sym typeface="Open Sans"/>
+            </a:endParaRPr>
+          </a:p>
+          <a:p>
+            <a:pPr indent="0" lvl="0" marL="0" rtl="0" algn="l">
+              <a:lnSpc>
+                <a:spcPct val="120000"/>
+              </a:lnSpc>
+              <a:spcBef>
+                <a:spcPts val="600"/>
+              </a:spcBef>
+              <a:spcAft>
+                <a:spcPts val="0"/>
+              </a:spcAft>
+              <a:buClr>
+                <a:schemeClr val="dk1"/>
+              </a:buClr>
+              <a:buSzPts val="1100"/>
+              <a:buFont typeface="Arial"/>
+              <a:buNone/>
+            </a:pPr>
+            <a:r>
+              <a:rPr lang="fr">
+                <a:solidFill>
+                  <a:srgbClr val="695D46"/>
+                </a:solidFill>
+                <a:latin typeface="Open Sans"/>
+                <a:ea typeface="Open Sans"/>
+                <a:cs typeface="Open Sans"/>
+                <a:sym typeface="Open Sans"/>
+              </a:rPr>
+              <a:t>Quickstarter vise à créer une opportunité et propulser en avant  celles et ceux qui cherchent à développer des projets en facilitant l'accès aux fonds et à la technologie , sans frontieres : le DAO pour tous</a:t>
+            </a:r>
+            <a:endParaRPr>
+              <a:solidFill>
+                <a:srgbClr val="695D46"/>
+              </a:solidFill>
+              <a:latin typeface="Open Sans"/>
+              <a:ea typeface="Open Sans"/>
+              <a:cs typeface="Open Sans"/>
+              <a:sym typeface="Open Sans"/>
+            </a:endParaRPr>
+          </a:p>
+          <a:p>
+            <a:pPr indent="0" lvl="0" marL="0" rtl="0" algn="l">
+              <a:lnSpc>
+                <a:spcPct val="120000"/>
+              </a:lnSpc>
+              <a:spcBef>
+                <a:spcPts val="600"/>
+              </a:spcBef>
+              <a:spcAft>
+                <a:spcPts val="0"/>
+              </a:spcAft>
+              <a:buClr>
+                <a:schemeClr val="dk1"/>
+              </a:buClr>
+              <a:buSzPts val="1100"/>
+              <a:buFont typeface="Arial"/>
+              <a:buNone/>
+            </a:pPr>
+            <a:r>
+              <a:rPr lang="fr">
+                <a:solidFill>
+                  <a:srgbClr val="695D46"/>
+                </a:solidFill>
+                <a:latin typeface="Open Sans"/>
+                <a:ea typeface="Open Sans"/>
+                <a:cs typeface="Open Sans"/>
+                <a:sym typeface="Open Sans"/>
+              </a:rPr>
+              <a:t>Quickstarter vise à faciliter l’exposition aux projets de demain en proposant un modèle de partage de revenus à ses investisseurs.</a:t>
+            </a:r>
+            <a:endParaRPr>
+              <a:solidFill>
+                <a:srgbClr val="695D46"/>
+              </a:solidFill>
+              <a:latin typeface="Open Sans"/>
+              <a:ea typeface="Open Sans"/>
+              <a:cs typeface="Open Sans"/>
+              <a:sym typeface="Open Sans"/>
+            </a:endParaRPr>
+          </a:p>
+          <a:p>
+            <a:pPr indent="0" lvl="0" marL="0" rtl="0" algn="l">
+              <a:lnSpc>
+                <a:spcPct val="120000"/>
+              </a:lnSpc>
+              <a:spcBef>
+                <a:spcPts val="600"/>
+              </a:spcBef>
+              <a:spcAft>
+                <a:spcPts val="0"/>
+              </a:spcAft>
+              <a:buClr>
+                <a:schemeClr val="dk1"/>
+              </a:buClr>
+              <a:buSzPts val="1100"/>
+              <a:buFont typeface="Arial"/>
               <a:buNone/>
             </a:pPr>
             <a:r>
               <a:t/>
             </a:r>
-            <a:endParaRPr/>
+            <a:endParaRPr>
+              <a:solidFill>
+                <a:srgbClr val="695D46"/>
+              </a:solidFill>
+              <a:latin typeface="Open Sans"/>
+              <a:ea typeface="Open Sans"/>
+              <a:cs typeface="Open Sans"/>
+              <a:sym typeface="Open Sans"/>
+            </a:endParaRPr>
           </a:p>
         </p:txBody>
       </p:sp>
@@ -2228,14 +2253,14 @@
             </a:pPr>
             <a:r>
               <a:rPr lang="fr"/>
-              <a:t>Les campagnes "tout ou rien" financées intégralement deux fois plus souvent que les campagnes "classiques”.</a:t>
+              <a:t>Les campagnes "tout ou rien" sont financées intégralement deux fois plus souvent que les campagnes "classiques”.</a:t>
             </a:r>
             <a:br>
               <a:rPr lang="fr"/>
             </a:br>
             <a:r>
               <a:rPr lang="fr"/>
-              <a:t>Team-driven crowdfunding campaigns raise 38% more than solo campaigns.</a:t>
+              <a:t>Les campagnes de crowdfunding menées en équipe rapportent 38 % de plus que les campagnes solo.</a:t>
             </a:r>
             <a:endParaRPr/>
           </a:p>
@@ -8371,7 +8396,7 @@
                 <a:cs typeface="Share Tech Mono"/>
                 <a:sym typeface="Share Tech Mono"/>
               </a:rPr>
-              <a:t>Les personnes de plus de 45 ans sont moins enclins à supporter des campagnes</a:t>
+              <a:t>Les personnes de plus de 45 ans sont moins enclines à supporter des campagnes</a:t>
             </a:r>
             <a:endParaRPr>
               <a:latin typeface="Share Tech Mono"/>
@@ -11248,6 +11273,9 @@
           <a:lstStyle/>
           <a:p>
             <a:pPr indent="0" lvl="0" marL="0" rtl="0" algn="l">
+              <a:lnSpc>
+                <a:spcPct val="100000"/>
+              </a:lnSpc>
               <a:spcBef>
                 <a:spcPts val="0"/>
               </a:spcBef>
@@ -11259,7 +11287,49 @@
             <a:r>
               <a:t/>
             </a:r>
-            <a:endParaRPr>
+            <a:endParaRPr/>
+          </a:p>
+          <a:p>
+            <a:pPr indent="0" lvl="0" marL="0" rtl="0" algn="l">
+              <a:lnSpc>
+                <a:spcPct val="100000"/>
+              </a:lnSpc>
+              <a:spcBef>
+                <a:spcPts val="0"/>
+              </a:spcBef>
+              <a:spcAft>
+                <a:spcPts val="0"/>
+              </a:spcAft>
+              <a:buNone/>
+            </a:pPr>
+            <a:r>
+              <a:t/>
+            </a:r>
+            <a:endParaRPr/>
+          </a:p>
+          <a:p>
+            <a:pPr indent="0" lvl="0" marL="0" rtl="0" algn="ctr">
+              <a:lnSpc>
+                <a:spcPct val="100000"/>
+              </a:lnSpc>
+              <a:spcBef>
+                <a:spcPts val="0"/>
+              </a:spcBef>
+              <a:spcAft>
+                <a:spcPts val="0"/>
+              </a:spcAft>
+              <a:buNone/>
+            </a:pPr>
+            <a:r>
+              <a:rPr lang="fr" sz="2000">
+                <a:latin typeface="Share Tech Mono"/>
+                <a:ea typeface="Share Tech Mono"/>
+                <a:cs typeface="Share Tech Mono"/>
+                <a:sym typeface="Share Tech Mono"/>
+              </a:rPr>
+              <a:t>$17.2 milliards</a:t>
+            </a:r>
+            <a:endParaRPr sz="2000">
               <a:latin typeface="Share Tech Mono"/>
               <a:ea typeface="Share Tech Mono"/>
               <a:cs typeface="Share Tech Mono"/>
@@ -11267,36 +11337,22 @@
             </a:endParaRPr>
           </a:p>
           <a:p>
-            <a:pPr indent="-342900" lvl="0" marL="457200" rtl="0" algn="l">
-              <a:spcBef>
-                <a:spcPts val="1200"/>
-              </a:spcBef>
-              <a:spcAft>
-                <a:spcPts val="0"/>
-              </a:spcAft>
-              <a:buSzPts val="1800"/>
-              <a:buFont typeface="Share Tech Mono"/>
-              <a:buChar char="●"/>
+            <a:pPr indent="0" lvl="0" marL="0" rtl="0" algn="ctr">
+              <a:lnSpc>
+                <a:spcPct val="100000"/>
+              </a:lnSpc>
+              <a:spcBef>
+                <a:spcPts val="0"/>
+              </a:spcBef>
+              <a:spcAft>
+                <a:spcPts val="0"/>
+              </a:spcAft>
+              <a:buNone/>
             </a:pPr>
             <a:r>
-              <a:rPr lang="fr">
-                <a:latin typeface="Share Tech Mono"/>
-                <a:ea typeface="Share Tech Mono"/>
-                <a:cs typeface="Share Tech Mono"/>
-                <a:sym typeface="Share Tech Mono"/>
-              </a:rPr>
-              <a:t>$17.2 milliard</a:t>
+              <a:t/>
             </a:r>
-            <a:r>
-              <a:rPr lang="fr">
-                <a:latin typeface="Share Tech Mono"/>
-                <a:ea typeface="Share Tech Mono"/>
-                <a:cs typeface="Share Tech Mono"/>
-                <a:sym typeface="Share Tech Mono"/>
-              </a:rPr>
-              <a:t>s</a:t>
-            </a:r>
-            <a:endParaRPr>
+            <a:endParaRPr sz="2000">
               <a:latin typeface="Share Tech Mono"/>
               <a:ea typeface="Share Tech Mono"/>
               <a:cs typeface="Share Tech Mono"/>
@@ -11304,36 +11360,28 @@
             </a:endParaRPr>
           </a:p>
           <a:p>
-            <a:pPr indent="-342900" lvl="0" marL="457200" rtl="0" algn="l">
-              <a:spcBef>
-                <a:spcPts val="0"/>
-              </a:spcBef>
-              <a:spcAft>
-                <a:spcPts val="0"/>
-              </a:spcAft>
-              <a:buSzPts val="1800"/>
-              <a:buFont typeface="Share Tech Mono"/>
-              <a:buChar char="●"/>
+            <a:pPr indent="0" lvl="0" marL="0" rtl="0" algn="ctr">
+              <a:lnSpc>
+                <a:spcPct val="100000"/>
+              </a:lnSpc>
+              <a:spcBef>
+                <a:spcPts val="0"/>
+              </a:spcBef>
+              <a:spcAft>
+                <a:spcPts val="0"/>
+              </a:spcAft>
+              <a:buNone/>
             </a:pPr>
             <a:r>
-              <a:rPr lang="fr">
+              <a:rPr lang="fr" sz="2000">
                 <a:latin typeface="Share Tech Mono"/>
                 <a:ea typeface="Share Tech Mono"/>
                 <a:cs typeface="Share Tech Mono"/>
                 <a:sym typeface="Share Tech Mono"/>
               </a:rPr>
-              <a:t>+33.7</a:t>
+              <a:t>+33.7%</a:t>
             </a:r>
-            <a:r>
-              <a:rPr lang="fr">
-                <a:latin typeface="Share Tech Mono"/>
-                <a:ea typeface="Share Tech Mono"/>
-                <a:cs typeface="Share Tech Mono"/>
-                <a:sym typeface="Share Tech Mono"/>
-              </a:rPr>
-              <a:t>%</a:t>
-            </a:r>
-            <a:endParaRPr>
+            <a:endParaRPr sz="2000">
               <a:latin typeface="Share Tech Mono"/>
               <a:ea typeface="Share Tech Mono"/>
               <a:cs typeface="Share Tech Mono"/>
@@ -11341,19 +11389,43 @@
             </a:endParaRPr>
           </a:p>
           <a:p>
-            <a:pPr indent="-342900" lvl="0" marL="457200" rtl="0" algn="l">
-              <a:spcBef>
-                <a:spcPts val="0"/>
-              </a:spcBef>
-              <a:spcAft>
-                <a:spcPts val="0"/>
-              </a:spcAft>
-              <a:buSzPts val="1800"/>
-              <a:buFont typeface="Share Tech Mono"/>
-              <a:buChar char="●"/>
+            <a:pPr indent="0" lvl="0" marL="0" rtl="0" algn="ctr">
+              <a:lnSpc>
+                <a:spcPct val="100000"/>
+              </a:lnSpc>
+              <a:spcBef>
+                <a:spcPts val="0"/>
+              </a:spcBef>
+              <a:spcAft>
+                <a:spcPts val="0"/>
+              </a:spcAft>
+              <a:buNone/>
             </a:pPr>
             <a:r>
-              <a:rPr lang="fr">
+              <a:t/>
+            </a:r>
+            <a:endParaRPr sz="2000">
+              <a:latin typeface="Share Tech Mono"/>
+              <a:ea typeface="Share Tech Mono"/>
+              <a:cs typeface="Share Tech Mono"/>
+              <a:sym typeface="Share Tech Mono"/>
+            </a:endParaRPr>
+          </a:p>
+          <a:p>
+            <a:pPr indent="0" lvl="0" marL="0" rtl="0" algn="ctr">
+              <a:lnSpc>
+                <a:spcPct val="100000"/>
+              </a:lnSpc>
+              <a:spcBef>
+                <a:spcPts val="0"/>
+              </a:spcBef>
+              <a:spcAft>
+                <a:spcPts val="0"/>
+              </a:spcAft>
+              <a:buNone/>
+            </a:pPr>
+            <a:r>
+              <a:rPr lang="fr" sz="2000">
                 <a:latin typeface="Share Tech Mono"/>
                 <a:ea typeface="Share Tech Mono"/>
                 <a:cs typeface="Share Tech Mono"/>
@@ -11361,7 +11433,7 @@
               </a:rPr>
               <a:t>6,455,080</a:t>
             </a:r>
-            <a:endParaRPr>
+            <a:endParaRPr sz="2000">
               <a:latin typeface="Share Tech Mono"/>
               <a:ea typeface="Share Tech Mono"/>
               <a:cs typeface="Share Tech Mono"/>
@@ -11369,19 +11441,43 @@
             </a:endParaRPr>
           </a:p>
           <a:p>
-            <a:pPr indent="-342900" lvl="0" marL="457200" rtl="0" algn="l">
-              <a:spcBef>
-                <a:spcPts val="0"/>
-              </a:spcBef>
-              <a:spcAft>
-                <a:spcPts val="0"/>
-              </a:spcAft>
-              <a:buSzPts val="1800"/>
-              <a:buFont typeface="Share Tech Mono"/>
-              <a:buChar char="●"/>
+            <a:pPr indent="0" lvl="0" marL="0" rtl="0" algn="ctr">
+              <a:lnSpc>
+                <a:spcPct val="100000"/>
+              </a:lnSpc>
+              <a:spcBef>
+                <a:spcPts val="0"/>
+              </a:spcBef>
+              <a:spcAft>
+                <a:spcPts val="0"/>
+              </a:spcAft>
+              <a:buNone/>
             </a:pPr>
             <a:r>
-              <a:rPr lang="fr">
+              <a:t/>
+            </a:r>
+            <a:endParaRPr sz="2000">
+              <a:latin typeface="Share Tech Mono"/>
+              <a:ea typeface="Share Tech Mono"/>
+              <a:cs typeface="Share Tech Mono"/>
+              <a:sym typeface="Share Tech Mono"/>
+            </a:endParaRPr>
+          </a:p>
+          <a:p>
+            <a:pPr indent="0" lvl="0" marL="0" rtl="0" algn="ctr">
+              <a:lnSpc>
+                <a:spcPct val="100000"/>
+              </a:lnSpc>
+              <a:spcBef>
+                <a:spcPts val="0"/>
+              </a:spcBef>
+              <a:spcAft>
+                <a:spcPts val="0"/>
+              </a:spcAft>
+              <a:buNone/>
+            </a:pPr>
+            <a:r>
+              <a:rPr lang="fr" sz="2000">
                 <a:latin typeface="Share Tech Mono"/>
                 <a:ea typeface="Share Tech Mono"/>
                 <a:cs typeface="Share Tech Mono"/>
@@ -11389,12 +11485,7 @@
               </a:rPr>
               <a:t>$300 milliards</a:t>
             </a:r>
-            <a:endParaRPr>
-              <a:latin typeface="Share Tech Mono"/>
-              <a:ea typeface="Share Tech Mono"/>
-              <a:cs typeface="Share Tech Mono"/>
-              <a:sym typeface="Share Tech Mono"/>
-            </a:endParaRPr>
+            <a:endParaRPr sz="2000"/>
           </a:p>
         </p:txBody>
       </p:sp>
@@ -11636,6 +11727,202 @@
                                           <p:spTgt spid="78">
                                             <p:txEl>
                                               <p:pRg end="4" st="4"/>
+                                            </p:txEl>
+                                          </p:spTgt>
+                                        </p:tgtEl>
+                                        <p:attrNameLst>
+                                          <p:attrName>style.visibility</p:attrName>
+                                        </p:attrNameLst>
+                                      </p:cBhvr>
+                                      <p:to>
+                                        <p:strVal val="visible"/>
+                                      </p:to>
+                                    </p:set>
+                                  </p:childTnLst>
+                                </p:cTn>
+                              </p:par>
+                            </p:childTnLst>
+                          </p:cTn>
+                        </p:par>
+                      </p:childTnLst>
+                    </p:cTn>
+                  </p:par>
+                  <p:par>
+                    <p:cTn fill="hold">
+                      <p:stCondLst>
+                        <p:cond delay="indefinite"/>
+                      </p:stCondLst>
+                      <p:childTnLst>
+                        <p:par>
+                          <p:cTn fill="hold">
+                            <p:stCondLst>
+                              <p:cond delay="0"/>
+                            </p:stCondLst>
+                            <p:childTnLst>
+                              <p:par>
+                                <p:cTn fill="hold" nodeType="clickEffect" presetClass="entr" presetID="1" presetSubtype="0">
+                                  <p:stCondLst>
+                                    <p:cond delay="0"/>
+                                  </p:stCondLst>
+                                  <p:childTnLst>
+                                    <p:set>
+                                      <p:cBhvr>
+                                        <p:cTn dur="1" fill="hold">
+                                          <p:stCondLst>
+                                            <p:cond delay="0"/>
+                                          </p:stCondLst>
+                                        </p:cTn>
+                                        <p:tgtEl>
+                                          <p:spTgt spid="78">
+                                            <p:txEl>
+                                              <p:pRg end="5" st="5"/>
+                                            </p:txEl>
+                                          </p:spTgt>
+                                        </p:tgtEl>
+                                        <p:attrNameLst>
+                                          <p:attrName>style.visibility</p:attrName>
+                                        </p:attrNameLst>
+                                      </p:cBhvr>
+                                      <p:to>
+                                        <p:strVal val="visible"/>
+                                      </p:to>
+                                    </p:set>
+                                  </p:childTnLst>
+                                </p:cTn>
+                              </p:par>
+                            </p:childTnLst>
+                          </p:cTn>
+                        </p:par>
+                      </p:childTnLst>
+                    </p:cTn>
+                  </p:par>
+                  <p:par>
+                    <p:cTn fill="hold">
+                      <p:stCondLst>
+                        <p:cond delay="indefinite"/>
+                      </p:stCondLst>
+                      <p:childTnLst>
+                        <p:par>
+                          <p:cTn fill="hold">
+                            <p:stCondLst>
+                              <p:cond delay="0"/>
+                            </p:stCondLst>
+                            <p:childTnLst>
+                              <p:par>
+                                <p:cTn fill="hold" nodeType="clickEffect" presetClass="entr" presetID="1" presetSubtype="0">
+                                  <p:stCondLst>
+                                    <p:cond delay="0"/>
+                                  </p:stCondLst>
+                                  <p:childTnLst>
+                                    <p:set>
+                                      <p:cBhvr>
+                                        <p:cTn dur="1" fill="hold">
+                                          <p:stCondLst>
+                                            <p:cond delay="0"/>
+                                          </p:stCondLst>
+                                        </p:cTn>
+                                        <p:tgtEl>
+                                          <p:spTgt spid="78">
+                                            <p:txEl>
+                                              <p:pRg end="6" st="6"/>
+                                            </p:txEl>
+                                          </p:spTgt>
+                                        </p:tgtEl>
+                                        <p:attrNameLst>
+                                          <p:attrName>style.visibility</p:attrName>
+                                        </p:attrNameLst>
+                                      </p:cBhvr>
+                                      <p:to>
+                                        <p:strVal val="visible"/>
+                                      </p:to>
+                                    </p:set>
+                                  </p:childTnLst>
+                                </p:cTn>
+                              </p:par>
+                            </p:childTnLst>
+                          </p:cTn>
+                        </p:par>
+                      </p:childTnLst>
+                    </p:cTn>
+                  </p:par>
+                  <p:par>
+                    <p:cTn fill="hold">
+                      <p:stCondLst>
+                        <p:cond delay="indefinite"/>
+                      </p:stCondLst>
+                      <p:childTnLst>
+                        <p:par>
+                          <p:cTn fill="hold">
+                            <p:stCondLst>
+                              <p:cond delay="0"/>
+                            </p:stCondLst>
+                            <p:childTnLst>
+                              <p:par>
+                                <p:cTn fill="hold" nodeType="clickEffect" presetClass="entr" presetID="1" presetSubtype="0">
+                                  <p:stCondLst>
+                                    <p:cond delay="0"/>
+                                  </p:stCondLst>
+                                  <p:childTnLst>
+                                    <p:set>
+                                      <p:cBhvr>
+                                        <p:cTn dur="1" fill="hold">
+                                          <p:stCondLst>
+                                            <p:cond delay="0"/>
+                                          </p:stCondLst>
+                                        </p:cTn>
+                                        <p:tgtEl>
+                                          <p:spTgt spid="78">
+                                            <p:txEl>
+                                              <p:pRg end="7" st="7"/>
+                                            </p:txEl>
+                                          </p:spTgt>
+                                        </p:tgtEl>
+                                        <p:attrNameLst>
+                                          <p:attrName>style.visibility</p:attrName>
+                                        </p:attrNameLst>
+                                      </p:cBhvr>
+                                      <p:to>
+                                        <p:strVal val="visible"/>
+                                      </p:to>
+                                    </p:set>
+                                  </p:childTnLst>
+                                </p:cTn>
+                              </p:par>
+                            </p:childTnLst>
+                          </p:cTn>
+                        </p:par>
+                      </p:childTnLst>
+                    </p:cTn>
+                  </p:par>
+                  <p:par>
+                    <p:cTn fill="hold">
+                      <p:stCondLst>
+                        <p:cond delay="indefinite"/>
+                      </p:stCondLst>
+                      <p:childTnLst>
+                        <p:par>
+                          <p:cTn fill="hold">
+                            <p:stCondLst>
+                              <p:cond delay="0"/>
+                            </p:stCondLst>
+                            <p:childTnLst>
+                              <p:par>
+                                <p:cTn fill="hold" nodeType="clickEffect" presetClass="entr" presetID="1" presetSubtype="0">
+                                  <p:stCondLst>
+                                    <p:cond delay="0"/>
+                                  </p:stCondLst>
+                                  <p:childTnLst>
+                                    <p:set>
+                                      <p:cBhvr>
+                                        <p:cTn dur="1" fill="hold">
+                                          <p:stCondLst>
+                                            <p:cond delay="0"/>
+                                          </p:stCondLst>
+                                        </p:cTn>
+                                        <p:tgtEl>
+                                          <p:spTgt spid="78">
+                                            <p:txEl>
+                                              <p:pRg end="8" st="8"/>
                                             </p:txEl>
                                           </p:spTgt>
                                         </p:tgtEl>
